--- a/cours.pptx
+++ b/cours.pptx
@@ -132,6 +132,11 @@
       </a:defRPr>
     </a:lvl9pPr>
   </p:defaultTextStyle>
+  <p:extLst>
+    <p:ext uri="{EFAFB233-063F-42B5-8137-9DF3F51BA10A}">
+      <p15:sldGuideLst xmlns:p15="http://schemas.microsoft.com/office/powerpoint/2012/main"/>
+    </p:ext>
+  </p:extLst>
 </p:presentation>
 </file>
 
@@ -282,7 +287,7 @@
           <a:p>
             <a:fld id="{3A006D65-70C1-4453-8127-FD26A45426DE}" type="datetimeFigureOut">
               <a:rPr lang="fr-FR" smtClean="0"/>
-              <a:t>17/01/2024</a:t>
+              <a:t>18/01/2024</a:t>
             </a:fld>
             <a:endParaRPr lang="fr-FR"/>
           </a:p>
@@ -480,7 +485,7 @@
           <a:p>
             <a:fld id="{3A006D65-70C1-4453-8127-FD26A45426DE}" type="datetimeFigureOut">
               <a:rPr lang="fr-FR" smtClean="0"/>
-              <a:t>17/01/2024</a:t>
+              <a:t>18/01/2024</a:t>
             </a:fld>
             <a:endParaRPr lang="fr-FR"/>
           </a:p>
@@ -688,7 +693,7 @@
           <a:p>
             <a:fld id="{3A006D65-70C1-4453-8127-FD26A45426DE}" type="datetimeFigureOut">
               <a:rPr lang="fr-FR" smtClean="0"/>
-              <a:t>17/01/2024</a:t>
+              <a:t>18/01/2024</a:t>
             </a:fld>
             <a:endParaRPr lang="fr-FR"/>
           </a:p>
@@ -886,7 +891,7 @@
           <a:p>
             <a:fld id="{3A006D65-70C1-4453-8127-FD26A45426DE}" type="datetimeFigureOut">
               <a:rPr lang="fr-FR" smtClean="0"/>
-              <a:t>17/01/2024</a:t>
+              <a:t>18/01/2024</a:t>
             </a:fld>
             <a:endParaRPr lang="fr-FR"/>
           </a:p>
@@ -1161,7 +1166,7 @@
           <a:p>
             <a:fld id="{3A006D65-70C1-4453-8127-FD26A45426DE}" type="datetimeFigureOut">
               <a:rPr lang="fr-FR" smtClean="0"/>
-              <a:t>17/01/2024</a:t>
+              <a:t>18/01/2024</a:t>
             </a:fld>
             <a:endParaRPr lang="fr-FR"/>
           </a:p>
@@ -1426,7 +1431,7 @@
           <a:p>
             <a:fld id="{3A006D65-70C1-4453-8127-FD26A45426DE}" type="datetimeFigureOut">
               <a:rPr lang="fr-FR" smtClean="0"/>
-              <a:t>17/01/2024</a:t>
+              <a:t>18/01/2024</a:t>
             </a:fld>
             <a:endParaRPr lang="fr-FR"/>
           </a:p>
@@ -1838,7 +1843,7 @@
           <a:p>
             <a:fld id="{3A006D65-70C1-4453-8127-FD26A45426DE}" type="datetimeFigureOut">
               <a:rPr lang="fr-FR" smtClean="0"/>
-              <a:t>17/01/2024</a:t>
+              <a:t>18/01/2024</a:t>
             </a:fld>
             <a:endParaRPr lang="fr-FR"/>
           </a:p>
@@ -1979,7 +1984,7 @@
           <a:p>
             <a:fld id="{3A006D65-70C1-4453-8127-FD26A45426DE}" type="datetimeFigureOut">
               <a:rPr lang="fr-FR" smtClean="0"/>
-              <a:t>17/01/2024</a:t>
+              <a:t>18/01/2024</a:t>
             </a:fld>
             <a:endParaRPr lang="fr-FR"/>
           </a:p>
@@ -2092,7 +2097,7 @@
           <a:p>
             <a:fld id="{3A006D65-70C1-4453-8127-FD26A45426DE}" type="datetimeFigureOut">
               <a:rPr lang="fr-FR" smtClean="0"/>
-              <a:t>17/01/2024</a:t>
+              <a:t>18/01/2024</a:t>
             </a:fld>
             <a:endParaRPr lang="fr-FR"/>
           </a:p>
@@ -2403,7 +2408,7 @@
           <a:p>
             <a:fld id="{3A006D65-70C1-4453-8127-FD26A45426DE}" type="datetimeFigureOut">
               <a:rPr lang="fr-FR" smtClean="0"/>
-              <a:t>17/01/2024</a:t>
+              <a:t>18/01/2024</a:t>
             </a:fld>
             <a:endParaRPr lang="fr-FR"/>
           </a:p>
@@ -2691,7 +2696,7 @@
           <a:p>
             <a:fld id="{3A006D65-70C1-4453-8127-FD26A45426DE}" type="datetimeFigureOut">
               <a:rPr lang="fr-FR" smtClean="0"/>
-              <a:t>17/01/2024</a:t>
+              <a:t>18/01/2024</a:t>
             </a:fld>
             <a:endParaRPr lang="fr-FR"/>
           </a:p>
@@ -2932,7 +2937,7 @@
           <a:p>
             <a:fld id="{3A006D65-70C1-4453-8127-FD26A45426DE}" type="datetimeFigureOut">
               <a:rPr lang="fr-FR" smtClean="0"/>
-              <a:t>17/01/2024</a:t>
+              <a:t>18/01/2024</a:t>
             </a:fld>
             <a:endParaRPr lang="fr-FR"/>
           </a:p>
@@ -11426,7 +11431,7 @@
         </p:blipFill>
         <p:spPr>
           <a:xfrm>
-            <a:off x="192741" y="790219"/>
+            <a:off x="369795" y="790218"/>
             <a:ext cx="5444974" cy="4023827"/>
           </a:xfrm>
           <a:prstGeom prst="rect">
@@ -11456,7 +11461,7 @@
         </p:blipFill>
         <p:spPr>
           <a:xfrm>
-            <a:off x="6348875" y="790218"/>
+            <a:off x="6285156" y="809210"/>
             <a:ext cx="5099053" cy="4004835"/>
           </a:xfrm>
           <a:prstGeom prst="rect">
